--- a/Presentation/EconomicsInsurance.pptx
+++ b/Presentation/EconomicsInsurance.pptx
@@ -341,7 +341,7 @@
           <a:p>
             <a:fld id="{677F5FC4-919A-4269-A22A-FB361E8E2996}" type="datetime1">
               <a:rPr lang="es-PE" smtClean="0"/>
-              <a:t>19/10/2022</a:t>
+              <a:t>20/10/2022</a:t>
             </a:fld>
             <a:endParaRPr lang="es-PE"/>
           </a:p>
@@ -383,7 +383,7 @@
           <a:p>
             <a:fld id="{49D32498-7289-4713-816F-5E043B52C61D}" type="slidenum">
               <a:rPr lang="es-PE" smtClean="0"/>
-              <a:t>‹nº›</a:t>
+              <a:t>‹#›</a:t>
             </a:fld>
             <a:endParaRPr lang="es-PE"/>
           </a:p>
@@ -511,7 +511,7 @@
           <a:p>
             <a:fld id="{F5B366DD-56C9-4D38-BD81-0377794FE434}" type="datetime1">
               <a:rPr lang="es-PE" smtClean="0"/>
-              <a:t>19/10/2022</a:t>
+              <a:t>20/10/2022</a:t>
             </a:fld>
             <a:endParaRPr lang="es-PE"/>
           </a:p>
@@ -553,7 +553,7 @@
           <a:p>
             <a:fld id="{49D32498-7289-4713-816F-5E043B52C61D}" type="slidenum">
               <a:rPr lang="es-PE" smtClean="0"/>
-              <a:t>‹nº›</a:t>
+              <a:t>‹#›</a:t>
             </a:fld>
             <a:endParaRPr lang="es-PE"/>
           </a:p>
@@ -691,7 +691,7 @@
           <a:p>
             <a:fld id="{485137E7-D86B-4282-8613-1B7C071289C6}" type="datetime1">
               <a:rPr lang="es-PE" smtClean="0"/>
-              <a:t>19/10/2022</a:t>
+              <a:t>20/10/2022</a:t>
             </a:fld>
             <a:endParaRPr lang="es-PE"/>
           </a:p>
@@ -733,7 +733,7 @@
           <a:p>
             <a:fld id="{49D32498-7289-4713-816F-5E043B52C61D}" type="slidenum">
               <a:rPr lang="es-PE" smtClean="0"/>
-              <a:t>‹nº›</a:t>
+              <a:t>‹#›</a:t>
             </a:fld>
             <a:endParaRPr lang="es-PE"/>
           </a:p>
@@ -861,7 +861,7 @@
           <a:p>
             <a:fld id="{A3A815CA-DCCE-4CC3-BE2C-F76BAAB311BF}" type="datetime1">
               <a:rPr lang="es-PE" smtClean="0"/>
-              <a:t>19/10/2022</a:t>
+              <a:t>20/10/2022</a:t>
             </a:fld>
             <a:endParaRPr lang="es-PE"/>
           </a:p>
@@ -903,7 +903,7 @@
           <a:p>
             <a:fld id="{49D32498-7289-4713-816F-5E043B52C61D}" type="slidenum">
               <a:rPr lang="es-PE" smtClean="0"/>
-              <a:t>‹nº›</a:t>
+              <a:t>‹#›</a:t>
             </a:fld>
             <a:endParaRPr lang="es-PE"/>
           </a:p>
@@ -1119,7 +1119,7 @@
           <a:p>
             <a:fld id="{70740D25-9BB7-4988-AC2D-685934F41598}" type="datetime1">
               <a:rPr lang="es-PE" smtClean="0"/>
-              <a:t>19/10/2022</a:t>
+              <a:t>20/10/2022</a:t>
             </a:fld>
             <a:endParaRPr lang="es-PE"/>
           </a:p>
@@ -1161,7 +1161,7 @@
           <a:p>
             <a:fld id="{49D32498-7289-4713-816F-5E043B52C61D}" type="slidenum">
               <a:rPr lang="es-PE" smtClean="0"/>
-              <a:t>‹nº›</a:t>
+              <a:t>‹#›</a:t>
             </a:fld>
             <a:endParaRPr lang="es-PE"/>
           </a:p>
@@ -1407,7 +1407,7 @@
           <a:p>
             <a:fld id="{889E5B75-1185-4547-ACFA-F16105C48911}" type="datetime1">
               <a:rPr lang="es-PE" smtClean="0"/>
-              <a:t>19/10/2022</a:t>
+              <a:t>20/10/2022</a:t>
             </a:fld>
             <a:endParaRPr lang="es-PE"/>
           </a:p>
@@ -1449,7 +1449,7 @@
           <a:p>
             <a:fld id="{49D32498-7289-4713-816F-5E043B52C61D}" type="slidenum">
               <a:rPr lang="es-PE" smtClean="0"/>
-              <a:t>‹nº›</a:t>
+              <a:t>‹#›</a:t>
             </a:fld>
             <a:endParaRPr lang="es-PE"/>
           </a:p>
@@ -1849,7 +1849,7 @@
           <a:p>
             <a:fld id="{A83AA61B-3770-449E-B7A8-2C2887C8B097}" type="datetime1">
               <a:rPr lang="es-PE" smtClean="0"/>
-              <a:t>19/10/2022</a:t>
+              <a:t>20/10/2022</a:t>
             </a:fld>
             <a:endParaRPr lang="es-PE"/>
           </a:p>
@@ -1891,7 +1891,7 @@
           <a:p>
             <a:fld id="{49D32498-7289-4713-816F-5E043B52C61D}" type="slidenum">
               <a:rPr lang="es-PE" smtClean="0"/>
-              <a:t>‹nº›</a:t>
+              <a:t>‹#›</a:t>
             </a:fld>
             <a:endParaRPr lang="es-PE"/>
           </a:p>
@@ -1967,7 +1967,7 @@
           <a:p>
             <a:fld id="{9A15DA84-DFFF-4AE8-A9D6-96F38A85B77A}" type="datetime1">
               <a:rPr lang="es-PE" smtClean="0"/>
-              <a:t>19/10/2022</a:t>
+              <a:t>20/10/2022</a:t>
             </a:fld>
             <a:endParaRPr lang="es-PE"/>
           </a:p>
@@ -2009,7 +2009,7 @@
           <a:p>
             <a:fld id="{49D32498-7289-4713-816F-5E043B52C61D}" type="slidenum">
               <a:rPr lang="es-PE" smtClean="0"/>
-              <a:t>‹nº›</a:t>
+              <a:t>‹#›</a:t>
             </a:fld>
             <a:endParaRPr lang="es-PE"/>
           </a:p>
@@ -2062,7 +2062,7 @@
           <a:p>
             <a:fld id="{DC64DE84-D078-40BA-95EF-1700B6693441}" type="datetime1">
               <a:rPr lang="es-PE" smtClean="0"/>
-              <a:t>19/10/2022</a:t>
+              <a:t>20/10/2022</a:t>
             </a:fld>
             <a:endParaRPr lang="es-PE"/>
           </a:p>
@@ -2104,7 +2104,7 @@
           <a:p>
             <a:fld id="{49D32498-7289-4713-816F-5E043B52C61D}" type="slidenum">
               <a:rPr lang="es-PE" smtClean="0"/>
-              <a:t>‹nº›</a:t>
+              <a:t>‹#›</a:t>
             </a:fld>
             <a:endParaRPr lang="es-PE"/>
           </a:p>
@@ -2350,7 +2350,7 @@
           <a:p>
             <a:fld id="{570A2BCA-5BA2-4EC0-8AA3-6827087BE5A5}" type="datetime1">
               <a:rPr lang="es-PE" smtClean="0"/>
-              <a:t>19/10/2022</a:t>
+              <a:t>20/10/2022</a:t>
             </a:fld>
             <a:endParaRPr lang="es-PE"/>
           </a:p>
@@ -2392,7 +2392,7 @@
           <a:p>
             <a:fld id="{49D32498-7289-4713-816F-5E043B52C61D}" type="slidenum">
               <a:rPr lang="es-PE" smtClean="0"/>
-              <a:t>‹nº›</a:t>
+              <a:t>‹#›</a:t>
             </a:fld>
             <a:endParaRPr lang="es-PE"/>
           </a:p>
@@ -2623,7 +2623,7 @@
           <a:p>
             <a:fld id="{6D264655-3EE7-4943-AB3B-F73EC4B2A796}" type="datetime1">
               <a:rPr lang="es-PE" smtClean="0"/>
-              <a:t>19/10/2022</a:t>
+              <a:t>20/10/2022</a:t>
             </a:fld>
             <a:endParaRPr lang="es-PE"/>
           </a:p>
@@ -2670,7 +2670,7 @@
           <a:p>
             <a:fld id="{49D32498-7289-4713-816F-5E043B52C61D}" type="slidenum">
               <a:rPr lang="es-PE" smtClean="0"/>
-              <a:t>‹nº›</a:t>
+              <a:t>‹#›</a:t>
             </a:fld>
             <a:endParaRPr lang="es-PE"/>
           </a:p>
@@ -2920,7 +2920,7 @@
           <a:p>
             <a:fld id="{0B6A468C-D8A6-4D67-8AFE-5BB9FB564FE2}" type="datetime1">
               <a:rPr lang="es-PE" smtClean="0"/>
-              <a:t>19/10/2022</a:t>
+              <a:t>20/10/2022</a:t>
             </a:fld>
             <a:endParaRPr lang="es-PE"/>
           </a:p>
@@ -2997,7 +2997,7 @@
           <a:p>
             <a:fld id="{49D32498-7289-4713-816F-5E043B52C61D}" type="slidenum">
               <a:rPr lang="es-PE" smtClean="0"/>
-              <a:t>‹nº›</a:t>
+              <a:t>‹#›</a:t>
             </a:fld>
             <a:endParaRPr lang="es-PE"/>
           </a:p>
@@ -3427,80 +3427,16 @@
           <a:lstStyle/>
           <a:p>
             <a:r>
-              <a:rPr lang="es-ES" sz="4000" dirty="0"/>
-              <a:t>A data-</a:t>
-            </a:r>
-            <a:r>
-              <a:rPr lang="es-ES" sz="4000" dirty="0" err="1"/>
-              <a:t>driven</a:t>
-            </a:r>
-            <a:r>
-              <a:rPr lang="es-ES" sz="4000" dirty="0"/>
-              <a:t> </a:t>
-            </a:r>
-            <a:r>
-              <a:rPr lang="es-ES" sz="4000" dirty="0" err="1"/>
-              <a:t>framework</a:t>
-            </a:r>
-            <a:r>
-              <a:rPr lang="es-ES" sz="4000" dirty="0"/>
-              <a:t> </a:t>
-            </a:r>
-            <a:r>
-              <a:rPr lang="es-ES" sz="4000" dirty="0" err="1"/>
-              <a:t>for</a:t>
-            </a:r>
-            <a:r>
-              <a:rPr lang="es-ES" sz="4000" dirty="0"/>
-              <a:t> </a:t>
-            </a:r>
-            <a:r>
-              <a:rPr lang="es-ES" sz="4000" dirty="0" err="1"/>
-              <a:t>disaster</a:t>
-            </a:r>
-            <a:r>
-              <a:rPr lang="es-ES" sz="4000" dirty="0"/>
-              <a:t> </a:t>
-            </a:r>
-            <a:r>
-              <a:rPr lang="es-ES" sz="4000" dirty="0" err="1"/>
-              <a:t>preparedness</a:t>
-            </a:r>
-            <a:r>
-              <a:rPr lang="es-ES" sz="4000" dirty="0"/>
-              <a:t> and </a:t>
-            </a:r>
-            <a:r>
-              <a:rPr lang="es-ES" sz="4000" dirty="0" err="1"/>
-              <a:t>risk</a:t>
-            </a:r>
-            <a:r>
-              <a:rPr lang="es-ES" sz="4000" dirty="0"/>
-              <a:t> </a:t>
-            </a:r>
-            <a:r>
-              <a:rPr lang="es-ES" sz="4000" dirty="0" err="1"/>
-              <a:t>mitigation</a:t>
-            </a:r>
-            <a:r>
-              <a:rPr lang="es-ES" sz="4000" dirty="0"/>
-              <a:t> in </a:t>
-            </a:r>
-            <a:r>
-              <a:rPr lang="es-ES" sz="4000" dirty="0" err="1"/>
-              <a:t>Latin</a:t>
-            </a:r>
-            <a:r>
-              <a:rPr lang="es-ES" sz="4000" dirty="0"/>
-              <a:t> </a:t>
-            </a:r>
-            <a:r>
-              <a:rPr lang="es-ES" sz="4000" dirty="0" err="1"/>
-              <a:t>America</a:t>
+              <a:rPr lang="en-US" sz="3600" dirty="0"/>
+              <a:t>Data-driven health insurance optimal contract specification:</a:t>
             </a:r>
             <a:br>
-              <a:rPr lang="es-ES" sz="4000" dirty="0"/>
+              <a:rPr lang="en-US" sz="3600" dirty="0"/>
             </a:br>
+            <a:r>
+              <a:rPr lang="en-US" sz="3600" dirty="0"/>
+              <a:t>comparing insurance policies in a risk-adverse context</a:t>
+            </a:r>
             <a:br>
               <a:rPr lang="es-ES" sz="4000" dirty="0"/>
             </a:br>

--- a/Presentation/EconomicsInsurance.pptx
+++ b/Presentation/EconomicsInsurance.pptx
@@ -11,6 +11,7 @@
     <p:sldId id="316" r:id="rId5"/>
     <p:sldId id="315" r:id="rId6"/>
     <p:sldId id="317" r:id="rId7"/>
+    <p:sldId id="318" r:id="rId8"/>
   </p:sldIdLst>
   <p:sldSz cx="12192000" cy="6858000"/>
   <p:notesSz cx="6858000" cy="9144000"/>
@@ -341,7 +342,7 @@
           <a:p>
             <a:fld id="{677F5FC4-919A-4269-A22A-FB361E8E2996}" type="datetime1">
               <a:rPr lang="es-PE" smtClean="0"/>
-              <a:t>20/10/2022</a:t>
+              <a:t>2/11/2022</a:t>
             </a:fld>
             <a:endParaRPr lang="es-PE"/>
           </a:p>
@@ -511,7 +512,7 @@
           <a:p>
             <a:fld id="{F5B366DD-56C9-4D38-BD81-0377794FE434}" type="datetime1">
               <a:rPr lang="es-PE" smtClean="0"/>
-              <a:t>20/10/2022</a:t>
+              <a:t>2/11/2022</a:t>
             </a:fld>
             <a:endParaRPr lang="es-PE"/>
           </a:p>
@@ -691,7 +692,7 @@
           <a:p>
             <a:fld id="{485137E7-D86B-4282-8613-1B7C071289C6}" type="datetime1">
               <a:rPr lang="es-PE" smtClean="0"/>
-              <a:t>20/10/2022</a:t>
+              <a:t>2/11/2022</a:t>
             </a:fld>
             <a:endParaRPr lang="es-PE"/>
           </a:p>
@@ -861,7 +862,7 @@
           <a:p>
             <a:fld id="{A3A815CA-DCCE-4CC3-BE2C-F76BAAB311BF}" type="datetime1">
               <a:rPr lang="es-PE" smtClean="0"/>
-              <a:t>20/10/2022</a:t>
+              <a:t>2/11/2022</a:t>
             </a:fld>
             <a:endParaRPr lang="es-PE"/>
           </a:p>
@@ -1119,7 +1120,7 @@
           <a:p>
             <a:fld id="{70740D25-9BB7-4988-AC2D-685934F41598}" type="datetime1">
               <a:rPr lang="es-PE" smtClean="0"/>
-              <a:t>20/10/2022</a:t>
+              <a:t>2/11/2022</a:t>
             </a:fld>
             <a:endParaRPr lang="es-PE"/>
           </a:p>
@@ -1407,7 +1408,7 @@
           <a:p>
             <a:fld id="{889E5B75-1185-4547-ACFA-F16105C48911}" type="datetime1">
               <a:rPr lang="es-PE" smtClean="0"/>
-              <a:t>20/10/2022</a:t>
+              <a:t>2/11/2022</a:t>
             </a:fld>
             <a:endParaRPr lang="es-PE"/>
           </a:p>
@@ -1849,7 +1850,7 @@
           <a:p>
             <a:fld id="{A83AA61B-3770-449E-B7A8-2C2887C8B097}" type="datetime1">
               <a:rPr lang="es-PE" smtClean="0"/>
-              <a:t>20/10/2022</a:t>
+              <a:t>2/11/2022</a:t>
             </a:fld>
             <a:endParaRPr lang="es-PE"/>
           </a:p>
@@ -1967,7 +1968,7 @@
           <a:p>
             <a:fld id="{9A15DA84-DFFF-4AE8-A9D6-96F38A85B77A}" type="datetime1">
               <a:rPr lang="es-PE" smtClean="0"/>
-              <a:t>20/10/2022</a:t>
+              <a:t>2/11/2022</a:t>
             </a:fld>
             <a:endParaRPr lang="es-PE"/>
           </a:p>
@@ -2062,7 +2063,7 @@
           <a:p>
             <a:fld id="{DC64DE84-D078-40BA-95EF-1700B6693441}" type="datetime1">
               <a:rPr lang="es-PE" smtClean="0"/>
-              <a:t>20/10/2022</a:t>
+              <a:t>2/11/2022</a:t>
             </a:fld>
             <a:endParaRPr lang="es-PE"/>
           </a:p>
@@ -2350,7 +2351,7 @@
           <a:p>
             <a:fld id="{570A2BCA-5BA2-4EC0-8AA3-6827087BE5A5}" type="datetime1">
               <a:rPr lang="es-PE" smtClean="0"/>
-              <a:t>20/10/2022</a:t>
+              <a:t>2/11/2022</a:t>
             </a:fld>
             <a:endParaRPr lang="es-PE"/>
           </a:p>
@@ -2623,7 +2624,7 @@
           <a:p>
             <a:fld id="{6D264655-3EE7-4943-AB3B-F73EC4B2A796}" type="datetime1">
               <a:rPr lang="es-PE" smtClean="0"/>
-              <a:t>20/10/2022</a:t>
+              <a:t>2/11/2022</a:t>
             </a:fld>
             <a:endParaRPr lang="es-PE"/>
           </a:p>
@@ -2920,7 +2921,7 @@
           <a:p>
             <a:fld id="{0B6A468C-D8A6-4D67-8AFE-5BB9FB564FE2}" type="datetime1">
               <a:rPr lang="es-PE" smtClean="0"/>
-              <a:t>20/10/2022</a:t>
+              <a:t>2/11/2022</a:t>
             </a:fld>
             <a:endParaRPr lang="es-PE"/>
           </a:p>
@@ -5664,6 +5665,1246 @@
 </p:sld>
 </file>
 
+<file path=ppt/slides/slide7.xml><?xml version="1.0" encoding="utf-8"?>
+<p:sld xmlns:a="http://schemas.openxmlformats.org/drawingml/2006/main" xmlns:r="http://schemas.openxmlformats.org/officeDocument/2006/relationships" xmlns:p="http://schemas.openxmlformats.org/presentationml/2006/main">
+  <p:cSld>
+    <p:spTree>
+      <p:nvGrpSpPr>
+        <p:cNvPr id="1" name=""/>
+        <p:cNvGrpSpPr/>
+        <p:nvPr/>
+      </p:nvGrpSpPr>
+      <p:grpSpPr>
+        <a:xfrm>
+          <a:off x="0" y="0"/>
+          <a:ext cx="0" cy="0"/>
+          <a:chOff x="0" y="0"/>
+          <a:chExt cx="0" cy="0"/>
+        </a:xfrm>
+      </p:grpSpPr>
+      <p:sp>
+        <p:nvSpPr>
+          <p:cNvPr id="4" name="Slide Number Placeholder 3">
+            <a:extLst>
+              <a:ext uri="{FF2B5EF4-FFF2-40B4-BE49-F238E27FC236}">
+                <a16:creationId xmlns:a16="http://schemas.microsoft.com/office/drawing/2014/main" id="{A3339A43-84B0-5ED5-0192-B1F926D20EB8}"/>
+              </a:ext>
+            </a:extLst>
+          </p:cNvPr>
+          <p:cNvSpPr>
+            <a:spLocks noGrp="1"/>
+          </p:cNvSpPr>
+          <p:nvPr>
+            <p:ph type="sldNum" sz="quarter" idx="12"/>
+          </p:nvPr>
+        </p:nvSpPr>
+        <p:spPr/>
+        <p:txBody>
+          <a:bodyPr/>
+          <a:lstStyle/>
+          <a:p>
+            <a:fld id="{49D32498-7289-4713-816F-5E043B52C61D}" type="slidenum">
+              <a:rPr lang="es-PE" smtClean="0"/>
+              <a:t>7</a:t>
+            </a:fld>
+            <a:endParaRPr lang="es-PE"/>
+          </a:p>
+        </p:txBody>
+      </p:sp>
+      <p:cxnSp>
+        <p:nvCxnSpPr>
+          <p:cNvPr id="9" name="Conector reto 14">
+            <a:extLst>
+              <a:ext uri="{FF2B5EF4-FFF2-40B4-BE49-F238E27FC236}">
+                <a16:creationId xmlns:a16="http://schemas.microsoft.com/office/drawing/2014/main" id="{900CA508-20D7-58E4-A14A-BC3F650C5059}"/>
+              </a:ext>
+            </a:extLst>
+          </p:cNvPr>
+          <p:cNvCxnSpPr>
+            <a:cxnSpLocks/>
+          </p:cNvCxnSpPr>
+          <p:nvPr/>
+        </p:nvCxnSpPr>
+        <p:spPr>
+          <a:xfrm flipH="1">
+            <a:off x="4763265" y="2200805"/>
+            <a:ext cx="3067444" cy="2522016"/>
+          </a:xfrm>
+          <a:prstGeom prst="line">
+            <a:avLst/>
+          </a:prstGeom>
+          <a:ln>
+            <a:solidFill>
+              <a:srgbClr val="FF0000"/>
+            </a:solidFill>
+            <a:prstDash val="dash"/>
+          </a:ln>
+        </p:spPr>
+        <p:style>
+          <a:lnRef idx="1">
+            <a:schemeClr val="accent2"/>
+          </a:lnRef>
+          <a:fillRef idx="0">
+            <a:schemeClr val="accent2"/>
+          </a:fillRef>
+          <a:effectRef idx="0">
+            <a:schemeClr val="accent2"/>
+          </a:effectRef>
+          <a:fontRef idx="minor">
+            <a:schemeClr val="tx1"/>
+          </a:fontRef>
+        </p:style>
+      </p:cxnSp>
+      <p:cxnSp>
+        <p:nvCxnSpPr>
+          <p:cNvPr id="10" name="Conector reto 15">
+            <a:extLst>
+              <a:ext uri="{FF2B5EF4-FFF2-40B4-BE49-F238E27FC236}">
+                <a16:creationId xmlns:a16="http://schemas.microsoft.com/office/drawing/2014/main" id="{95FD18FD-FF0B-6862-FC46-226EEE0C1041}"/>
+              </a:ext>
+            </a:extLst>
+          </p:cNvPr>
+          <p:cNvCxnSpPr>
+            <a:cxnSpLocks/>
+          </p:cNvCxnSpPr>
+          <p:nvPr/>
+        </p:nvCxnSpPr>
+        <p:spPr>
+          <a:xfrm flipH="1" flipV="1">
+            <a:off x="4763264" y="1491576"/>
+            <a:ext cx="2022574" cy="3457836"/>
+          </a:xfrm>
+          <a:prstGeom prst="line">
+            <a:avLst/>
+          </a:prstGeom>
+          <a:ln w="12700">
+            <a:solidFill>
+              <a:srgbClr val="1037F8"/>
+            </a:solidFill>
+          </a:ln>
+        </p:spPr>
+        <p:style>
+          <a:lnRef idx="1">
+            <a:schemeClr val="accent1"/>
+          </a:lnRef>
+          <a:fillRef idx="0">
+            <a:schemeClr val="accent1"/>
+          </a:fillRef>
+          <a:effectRef idx="0">
+            <a:schemeClr val="accent1"/>
+          </a:effectRef>
+          <a:fontRef idx="minor">
+            <a:schemeClr val="tx1"/>
+          </a:fontRef>
+        </p:style>
+      </p:cxnSp>
+      <p:sp>
+        <p:nvSpPr>
+          <p:cNvPr id="11" name="CaixaDeTexto 16">
+            <a:extLst>
+              <a:ext uri="{FF2B5EF4-FFF2-40B4-BE49-F238E27FC236}">
+                <a16:creationId xmlns:a16="http://schemas.microsoft.com/office/drawing/2014/main" id="{40CB010D-569A-51C1-0D9B-9CA6D1D6E427}"/>
+              </a:ext>
+            </a:extLst>
+          </p:cNvPr>
+          <p:cNvSpPr txBox="1"/>
+          <p:nvPr/>
+        </p:nvSpPr>
+        <p:spPr>
+          <a:xfrm>
+            <a:off x="4940491" y="1692792"/>
+            <a:ext cx="1137084" cy="307777"/>
+          </a:xfrm>
+          <a:prstGeom prst="rect">
+            <a:avLst/>
+          </a:prstGeom>
+          <a:noFill/>
+        </p:spPr>
+        <p:txBody>
+          <a:bodyPr wrap="square" rtlCol="0">
+            <a:spAutoFit/>
+          </a:bodyPr>
+          <a:lstStyle/>
+          <a:p>
+            <a:r>
+              <a:rPr lang="en-US" sz="1400" dirty="0"/>
+              <a:t>Demand</a:t>
+            </a:r>
+            <a:endParaRPr lang="pt-BR" sz="1600" dirty="0"/>
+          </a:p>
+        </p:txBody>
+      </p:sp>
+      <mc:AlternateContent xmlns:mc="http://schemas.openxmlformats.org/markup-compatibility/2006">
+        <mc:Choice xmlns:a14="http://schemas.microsoft.com/office/drawing/2010/main" Requires="a14">
+          <p:sp>
+            <p:nvSpPr>
+              <p:cNvPr id="12" name="CaixaDeTexto 17">
+                <a:extLst>
+                  <a:ext uri="{FF2B5EF4-FFF2-40B4-BE49-F238E27FC236}">
+                    <a16:creationId xmlns:a16="http://schemas.microsoft.com/office/drawing/2014/main" id="{3708D36E-4CDC-A928-4279-900005C38086}"/>
+                  </a:ext>
+                </a:extLst>
+              </p:cNvPr>
+              <p:cNvSpPr txBox="1"/>
+              <p:nvPr/>
+            </p:nvSpPr>
+            <p:spPr>
+              <a:xfrm>
+                <a:off x="7809881" y="1130024"/>
+                <a:ext cx="764550" cy="307777"/>
+              </a:xfrm>
+              <a:prstGeom prst="rect">
+                <a:avLst/>
+              </a:prstGeom>
+              <a:noFill/>
+            </p:spPr>
+            <p:txBody>
+              <a:bodyPr wrap="square" rtlCol="0">
+                <a:spAutoFit/>
+              </a:bodyPr>
+              <a:lstStyle/>
+              <a:p>
+                <a:pPr algn="just"/>
+                <a14:m>
+                  <m:oMathPara xmlns:m="http://schemas.openxmlformats.org/officeDocument/2006/math">
+                    <m:oMathParaPr>
+                      <m:jc m:val="centerGroup"/>
+                    </m:oMathParaPr>
+                    <m:oMath xmlns:m="http://schemas.openxmlformats.org/officeDocument/2006/math">
+                      <m:sSub>
+                        <m:sSubPr>
+                          <m:ctrlPr>
+                            <a:rPr lang="en-US" sz="1400" i="1" dirty="0" smtClean="0">
+                              <a:latin typeface="Cambria Math" panose="02040503050406030204" pitchFamily="18" charset="0"/>
+                            </a:rPr>
+                          </m:ctrlPr>
+                        </m:sSubPr>
+                        <m:e>
+                          <m:r>
+                            <m:rPr>
+                              <m:nor/>
+                            </m:rPr>
+                            <a:rPr lang="en-US" sz="1400" dirty="0">
+                              <a:latin typeface="Cambria Math" panose="02040503050406030204" pitchFamily="18" charset="0"/>
+                            </a:rPr>
+                            <m:t>Supply</m:t>
+                          </m:r>
+                        </m:e>
+                        <m:sub>
+                          <m:r>
+                            <a:rPr lang="en-US" sz="1400" b="0" i="1" dirty="0" smtClean="0">
+                              <a:latin typeface="Cambria Math" panose="02040503050406030204" pitchFamily="18" charset="0"/>
+                            </a:rPr>
+                            <m:t>1</m:t>
+                          </m:r>
+                        </m:sub>
+                      </m:sSub>
+                    </m:oMath>
+                  </m:oMathPara>
+                </a14:m>
+                <a:endParaRPr lang="pt-BR" sz="1400" dirty="0"/>
+              </a:p>
+            </p:txBody>
+          </p:sp>
+        </mc:Choice>
+        <mc:Fallback>
+          <p:sp>
+            <p:nvSpPr>
+              <p:cNvPr id="12" name="CaixaDeTexto 17">
+                <a:extLst>
+                  <a:ext uri="{FF2B5EF4-FFF2-40B4-BE49-F238E27FC236}">
+                    <a16:creationId xmlns:a16="http://schemas.microsoft.com/office/drawing/2014/main" id="{3708D36E-4CDC-A928-4279-900005C38086}"/>
+                  </a:ext>
+                </a:extLst>
+              </p:cNvPr>
+              <p:cNvSpPr txBox="1">
+                <a:spLocks noRot="1" noChangeAspect="1" noMove="1" noResize="1" noEditPoints="1" noAdjustHandles="1" noChangeArrowheads="1" noChangeShapeType="1" noTextEdit="1"/>
+              </p:cNvSpPr>
+              <p:nvPr/>
+            </p:nvSpPr>
+            <p:spPr>
+              <a:xfrm>
+                <a:off x="7809881" y="1130024"/>
+                <a:ext cx="764550" cy="307777"/>
+              </a:xfrm>
+              <a:prstGeom prst="rect">
+                <a:avLst/>
+              </a:prstGeom>
+              <a:blipFill>
+                <a:blip r:embed="rId2"/>
+                <a:stretch>
+                  <a:fillRect b="-7843"/>
+                </a:stretch>
+              </a:blipFill>
+            </p:spPr>
+            <p:txBody>
+              <a:bodyPr/>
+              <a:lstStyle/>
+              <a:p>
+                <a:r>
+                  <a:rPr lang="es-ES">
+                    <a:noFill/>
+                  </a:rPr>
+                  <a:t> </a:t>
+                </a:r>
+              </a:p>
+            </p:txBody>
+          </p:sp>
+        </mc:Fallback>
+      </mc:AlternateContent>
+      <p:cxnSp>
+        <p:nvCxnSpPr>
+          <p:cNvPr id="13" name="Conector reto 18">
+            <a:extLst>
+              <a:ext uri="{FF2B5EF4-FFF2-40B4-BE49-F238E27FC236}">
+                <a16:creationId xmlns:a16="http://schemas.microsoft.com/office/drawing/2014/main" id="{7D52D964-DB4E-7271-93C3-0A7AE3ECC13F}"/>
+              </a:ext>
+            </a:extLst>
+          </p:cNvPr>
+          <p:cNvCxnSpPr>
+            <a:cxnSpLocks/>
+          </p:cNvCxnSpPr>
+          <p:nvPr/>
+        </p:nvCxnSpPr>
+        <p:spPr>
+          <a:xfrm flipH="1">
+            <a:off x="4685911" y="1309367"/>
+            <a:ext cx="3127459" cy="2571307"/>
+          </a:xfrm>
+          <a:prstGeom prst="line">
+            <a:avLst/>
+          </a:prstGeom>
+          <a:ln>
+            <a:solidFill>
+              <a:srgbClr val="FF0000"/>
+            </a:solidFill>
+          </a:ln>
+        </p:spPr>
+        <p:style>
+          <a:lnRef idx="1">
+            <a:schemeClr val="accent6"/>
+          </a:lnRef>
+          <a:fillRef idx="0">
+            <a:schemeClr val="accent6"/>
+          </a:fillRef>
+          <a:effectRef idx="0">
+            <a:schemeClr val="accent6"/>
+          </a:effectRef>
+          <a:fontRef idx="minor">
+            <a:schemeClr val="tx1"/>
+          </a:fontRef>
+        </p:style>
+      </p:cxnSp>
+      <mc:AlternateContent xmlns:mc="http://schemas.openxmlformats.org/markup-compatibility/2006">
+        <mc:Choice xmlns:a14="http://schemas.microsoft.com/office/drawing/2010/main" Requires="a14">
+          <p:sp>
+            <p:nvSpPr>
+              <p:cNvPr id="14" name="CaixaDeTexto 19">
+                <a:extLst>
+                  <a:ext uri="{FF2B5EF4-FFF2-40B4-BE49-F238E27FC236}">
+                    <a16:creationId xmlns:a16="http://schemas.microsoft.com/office/drawing/2014/main" id="{A2F6BF27-63C1-DEB8-7126-C0C51C1FB59A}"/>
+                  </a:ext>
+                </a:extLst>
+              </p:cNvPr>
+              <p:cNvSpPr txBox="1"/>
+              <p:nvPr/>
+            </p:nvSpPr>
+            <p:spPr>
+              <a:xfrm>
+                <a:off x="7771650" y="1993141"/>
+                <a:ext cx="853677" cy="307777"/>
+              </a:xfrm>
+              <a:prstGeom prst="rect">
+                <a:avLst/>
+              </a:prstGeom>
+              <a:noFill/>
+            </p:spPr>
+            <p:txBody>
+              <a:bodyPr wrap="square" rtlCol="0">
+                <a:spAutoFit/>
+              </a:bodyPr>
+              <a:lstStyle/>
+              <a:p>
+                <a14:m>
+                  <m:oMathPara xmlns:m="http://schemas.openxmlformats.org/officeDocument/2006/math">
+                    <m:oMathParaPr>
+                      <m:jc m:val="centerGroup"/>
+                    </m:oMathParaPr>
+                    <m:oMath xmlns:m="http://schemas.openxmlformats.org/officeDocument/2006/math">
+                      <m:sSub>
+                        <m:sSubPr>
+                          <m:ctrlPr>
+                            <a:rPr lang="en-US" sz="1400" i="1" dirty="0" smtClean="0">
+                              <a:latin typeface="Cambria Math" panose="02040503050406030204" pitchFamily="18" charset="0"/>
+                            </a:rPr>
+                          </m:ctrlPr>
+                        </m:sSubPr>
+                        <m:e>
+                          <m:r>
+                            <m:rPr>
+                              <m:nor/>
+                            </m:rPr>
+                            <a:rPr lang="en-US" sz="1400" dirty="0">
+                              <a:latin typeface="Cambria Math" panose="02040503050406030204" pitchFamily="18" charset="0"/>
+                            </a:rPr>
+                            <m:t>Supply</m:t>
+                          </m:r>
+                        </m:e>
+                        <m:sub>
+                          <m:r>
+                            <a:rPr lang="en-US" sz="1400" b="0" i="1" dirty="0" smtClean="0">
+                              <a:latin typeface="Cambria Math" panose="02040503050406030204" pitchFamily="18" charset="0"/>
+                            </a:rPr>
+                            <m:t>2</m:t>
+                          </m:r>
+                        </m:sub>
+                      </m:sSub>
+                    </m:oMath>
+                  </m:oMathPara>
+                </a14:m>
+                <a:endParaRPr lang="pt-BR" sz="1400" dirty="0"/>
+              </a:p>
+            </p:txBody>
+          </p:sp>
+        </mc:Choice>
+        <mc:Fallback>
+          <p:sp>
+            <p:nvSpPr>
+              <p:cNvPr id="14" name="CaixaDeTexto 19">
+                <a:extLst>
+                  <a:ext uri="{FF2B5EF4-FFF2-40B4-BE49-F238E27FC236}">
+                    <a16:creationId xmlns:a16="http://schemas.microsoft.com/office/drawing/2014/main" id="{A2F6BF27-63C1-DEB8-7126-C0C51C1FB59A}"/>
+                  </a:ext>
+                </a:extLst>
+              </p:cNvPr>
+              <p:cNvSpPr txBox="1">
+                <a:spLocks noRot="1" noChangeAspect="1" noMove="1" noResize="1" noEditPoints="1" noAdjustHandles="1" noChangeArrowheads="1" noChangeShapeType="1" noTextEdit="1"/>
+              </p:cNvSpPr>
+              <p:nvPr/>
+            </p:nvSpPr>
+            <p:spPr>
+              <a:xfrm>
+                <a:off x="7771650" y="1993141"/>
+                <a:ext cx="853677" cy="307777"/>
+              </a:xfrm>
+              <a:prstGeom prst="rect">
+                <a:avLst/>
+              </a:prstGeom>
+              <a:blipFill>
+                <a:blip r:embed="rId3"/>
+                <a:stretch>
+                  <a:fillRect b="-10000"/>
+                </a:stretch>
+              </a:blipFill>
+            </p:spPr>
+            <p:txBody>
+              <a:bodyPr/>
+              <a:lstStyle/>
+              <a:p>
+                <a:r>
+                  <a:rPr lang="es-ES">
+                    <a:noFill/>
+                  </a:rPr>
+                  <a:t> </a:t>
+                </a:r>
+              </a:p>
+            </p:txBody>
+          </p:sp>
+        </mc:Fallback>
+      </mc:AlternateContent>
+      <p:cxnSp>
+        <p:nvCxnSpPr>
+          <p:cNvPr id="28" name="Straight Arrow Connector 27">
+            <a:extLst>
+              <a:ext uri="{FF2B5EF4-FFF2-40B4-BE49-F238E27FC236}">
+                <a16:creationId xmlns:a16="http://schemas.microsoft.com/office/drawing/2014/main" id="{82A6D444-A871-52FF-2F4E-3987F7795EB4}"/>
+              </a:ext>
+            </a:extLst>
+          </p:cNvPr>
+          <p:cNvCxnSpPr>
+            <a:cxnSpLocks/>
+          </p:cNvCxnSpPr>
+          <p:nvPr/>
+        </p:nvCxnSpPr>
+        <p:spPr>
+          <a:xfrm flipV="1">
+            <a:off x="4737163" y="4722821"/>
+            <a:ext cx="3367567" cy="4592"/>
+          </a:xfrm>
+          <a:prstGeom prst="straightConnector1">
+            <a:avLst/>
+          </a:prstGeom>
+          <a:ln w="19050">
+            <a:solidFill>
+              <a:schemeClr val="tx1"/>
+            </a:solidFill>
+            <a:tailEnd type="triangle"/>
+          </a:ln>
+        </p:spPr>
+        <p:style>
+          <a:lnRef idx="1">
+            <a:schemeClr val="accent1"/>
+          </a:lnRef>
+          <a:fillRef idx="0">
+            <a:schemeClr val="accent1"/>
+          </a:fillRef>
+          <a:effectRef idx="0">
+            <a:schemeClr val="accent1"/>
+          </a:effectRef>
+          <a:fontRef idx="minor">
+            <a:schemeClr val="tx1"/>
+          </a:fontRef>
+        </p:style>
+      </p:cxnSp>
+      <p:cxnSp>
+        <p:nvCxnSpPr>
+          <p:cNvPr id="33" name="Straight Arrow Connector 32">
+            <a:extLst>
+              <a:ext uri="{FF2B5EF4-FFF2-40B4-BE49-F238E27FC236}">
+                <a16:creationId xmlns:a16="http://schemas.microsoft.com/office/drawing/2014/main" id="{FA4A3576-7D32-9550-A7A9-0FB9E08365BE}"/>
+              </a:ext>
+            </a:extLst>
+          </p:cNvPr>
+          <p:cNvCxnSpPr>
+            <a:cxnSpLocks/>
+          </p:cNvCxnSpPr>
+          <p:nvPr/>
+        </p:nvCxnSpPr>
+        <p:spPr>
+          <a:xfrm flipV="1">
+            <a:off x="4875185" y="1396799"/>
+            <a:ext cx="0" cy="3465181"/>
+          </a:xfrm>
+          <a:prstGeom prst="straightConnector1">
+            <a:avLst/>
+          </a:prstGeom>
+          <a:ln w="19050">
+            <a:solidFill>
+              <a:schemeClr val="tx1"/>
+            </a:solidFill>
+            <a:tailEnd type="triangle"/>
+          </a:ln>
+        </p:spPr>
+        <p:style>
+          <a:lnRef idx="1">
+            <a:schemeClr val="accent1"/>
+          </a:lnRef>
+          <a:fillRef idx="0">
+            <a:schemeClr val="accent1"/>
+          </a:fillRef>
+          <a:effectRef idx="0">
+            <a:schemeClr val="accent1"/>
+          </a:effectRef>
+          <a:fontRef idx="minor">
+            <a:schemeClr val="tx1"/>
+          </a:fontRef>
+        </p:style>
+      </p:cxnSp>
+      <p:sp>
+        <p:nvSpPr>
+          <p:cNvPr id="37" name="TextBox 36">
+            <a:extLst>
+              <a:ext uri="{FF2B5EF4-FFF2-40B4-BE49-F238E27FC236}">
+                <a16:creationId xmlns:a16="http://schemas.microsoft.com/office/drawing/2014/main" id="{020670FB-61AE-A1EC-191F-448F693F8D40}"/>
+              </a:ext>
+            </a:extLst>
+          </p:cNvPr>
+          <p:cNvSpPr txBox="1"/>
+          <p:nvPr/>
+        </p:nvSpPr>
+        <p:spPr>
+          <a:xfrm>
+            <a:off x="4583470" y="1089022"/>
+            <a:ext cx="583429" cy="307777"/>
+          </a:xfrm>
+          <a:prstGeom prst="rect">
+            <a:avLst/>
+          </a:prstGeom>
+          <a:noFill/>
+        </p:spPr>
+        <p:txBody>
+          <a:bodyPr wrap="none" rtlCol="0">
+            <a:spAutoFit/>
+          </a:bodyPr>
+          <a:lstStyle/>
+          <a:p>
+            <a:r>
+              <a:rPr lang="en-US" sz="1400" dirty="0"/>
+              <a:t>Price</a:t>
+            </a:r>
+            <a:endParaRPr lang="es-ES" sz="1400" dirty="0"/>
+          </a:p>
+        </p:txBody>
+      </p:sp>
+      <p:sp>
+        <p:nvSpPr>
+          <p:cNvPr id="38" name="TextBox 37">
+            <a:extLst>
+              <a:ext uri="{FF2B5EF4-FFF2-40B4-BE49-F238E27FC236}">
+                <a16:creationId xmlns:a16="http://schemas.microsoft.com/office/drawing/2014/main" id="{8C3D413C-8D1C-640C-7207-BD499E1724A7}"/>
+              </a:ext>
+            </a:extLst>
+          </p:cNvPr>
+          <p:cNvSpPr txBox="1"/>
+          <p:nvPr/>
+        </p:nvSpPr>
+        <p:spPr>
+          <a:xfrm>
+            <a:off x="8104730" y="4550792"/>
+            <a:ext cx="877163" cy="307777"/>
+          </a:xfrm>
+          <a:prstGeom prst="rect">
+            <a:avLst/>
+          </a:prstGeom>
+          <a:noFill/>
+        </p:spPr>
+        <p:txBody>
+          <a:bodyPr wrap="none" rtlCol="0">
+            <a:spAutoFit/>
+          </a:bodyPr>
+          <a:lstStyle/>
+          <a:p>
+            <a:r>
+              <a:rPr lang="en-US" sz="1400" dirty="0"/>
+              <a:t>Quantity</a:t>
+            </a:r>
+            <a:endParaRPr lang="es-ES" sz="1400" dirty="0"/>
+          </a:p>
+        </p:txBody>
+      </p:sp>
+      <mc:AlternateContent xmlns:mc="http://schemas.openxmlformats.org/markup-compatibility/2006">
+        <mc:Choice xmlns:a14="http://schemas.microsoft.com/office/drawing/2010/main" Requires="a14">
+          <p:sp>
+            <p:nvSpPr>
+              <p:cNvPr id="55" name="TextBox 54">
+                <a:extLst>
+                  <a:ext uri="{FF2B5EF4-FFF2-40B4-BE49-F238E27FC236}">
+                    <a16:creationId xmlns:a16="http://schemas.microsoft.com/office/drawing/2014/main" id="{7A5D27E9-31EF-0A8A-23B0-2F4E6F81F6AD}"/>
+                  </a:ext>
+                </a:extLst>
+              </p:cNvPr>
+              <p:cNvSpPr txBox="1"/>
+              <p:nvPr/>
+            </p:nvSpPr>
+            <p:spPr>
+              <a:xfrm>
+                <a:off x="4433076" y="2826134"/>
+                <a:ext cx="442108" cy="338554"/>
+              </a:xfrm>
+              <a:prstGeom prst="rect">
+                <a:avLst/>
+              </a:prstGeom>
+              <a:noFill/>
+            </p:spPr>
+            <p:txBody>
+              <a:bodyPr wrap="none" rtlCol="0">
+                <a:spAutoFit/>
+              </a:bodyPr>
+              <a:lstStyle/>
+              <a:p>
+                <a14:m>
+                  <m:oMathPara xmlns:m="http://schemas.openxmlformats.org/officeDocument/2006/math">
+                    <m:oMathParaPr>
+                      <m:jc m:val="centerGroup"/>
+                    </m:oMathParaPr>
+                    <m:oMath xmlns:m="http://schemas.openxmlformats.org/officeDocument/2006/math">
+                      <m:sSub>
+                        <m:sSubPr>
+                          <m:ctrlPr>
+                            <a:rPr lang="en-US" sz="1600" i="1" dirty="0" smtClean="0">
+                              <a:latin typeface="Cambria Math" panose="02040503050406030204" pitchFamily="18" charset="0"/>
+                            </a:rPr>
+                          </m:ctrlPr>
+                        </m:sSubPr>
+                        <m:e>
+                          <m:r>
+                            <a:rPr lang="en-US" sz="1600" i="1" dirty="0">
+                              <a:latin typeface="Cambria Math" panose="02040503050406030204" pitchFamily="18" charset="0"/>
+                            </a:rPr>
+                            <m:t>𝑃</m:t>
+                          </m:r>
+                        </m:e>
+                        <m:sub>
+                          <m:r>
+                            <a:rPr lang="en-US" sz="1600" b="0" i="1" dirty="0" smtClean="0">
+                              <a:latin typeface="Cambria Math" panose="02040503050406030204" pitchFamily="18" charset="0"/>
+                            </a:rPr>
+                            <m:t>1</m:t>
+                          </m:r>
+                        </m:sub>
+                      </m:sSub>
+                    </m:oMath>
+                  </m:oMathPara>
+                </a14:m>
+                <a:endParaRPr lang="es-ES" dirty="0"/>
+              </a:p>
+            </p:txBody>
+          </p:sp>
+        </mc:Choice>
+        <mc:Fallback>
+          <p:sp>
+            <p:nvSpPr>
+              <p:cNvPr id="55" name="TextBox 54">
+                <a:extLst>
+                  <a:ext uri="{FF2B5EF4-FFF2-40B4-BE49-F238E27FC236}">
+                    <a16:creationId xmlns:a16="http://schemas.microsoft.com/office/drawing/2014/main" id="{7A5D27E9-31EF-0A8A-23B0-2F4E6F81F6AD}"/>
+                  </a:ext>
+                </a:extLst>
+              </p:cNvPr>
+              <p:cNvSpPr txBox="1">
+                <a:spLocks noRot="1" noChangeAspect="1" noMove="1" noResize="1" noEditPoints="1" noAdjustHandles="1" noChangeArrowheads="1" noChangeShapeType="1" noTextEdit="1"/>
+              </p:cNvSpPr>
+              <p:nvPr/>
+            </p:nvSpPr>
+            <p:spPr>
+              <a:xfrm>
+                <a:off x="4433076" y="2826134"/>
+                <a:ext cx="442108" cy="338554"/>
+              </a:xfrm>
+              <a:prstGeom prst="rect">
+                <a:avLst/>
+              </a:prstGeom>
+              <a:blipFill>
+                <a:blip r:embed="rId4"/>
+                <a:stretch>
+                  <a:fillRect/>
+                </a:stretch>
+              </a:blipFill>
+            </p:spPr>
+            <p:txBody>
+              <a:bodyPr/>
+              <a:lstStyle/>
+              <a:p>
+                <a:r>
+                  <a:rPr lang="es-ES">
+                    <a:noFill/>
+                  </a:rPr>
+                  <a:t> </a:t>
+                </a:r>
+              </a:p>
+            </p:txBody>
+          </p:sp>
+        </mc:Fallback>
+      </mc:AlternateContent>
+      <mc:AlternateContent xmlns:mc="http://schemas.openxmlformats.org/markup-compatibility/2006">
+        <mc:Choice xmlns:a14="http://schemas.microsoft.com/office/drawing/2010/main" Requires="a14">
+          <p:sp>
+            <p:nvSpPr>
+              <p:cNvPr id="56" name="TextBox 55">
+                <a:extLst>
+                  <a:ext uri="{FF2B5EF4-FFF2-40B4-BE49-F238E27FC236}">
+                    <a16:creationId xmlns:a16="http://schemas.microsoft.com/office/drawing/2014/main" id="{CA817A3E-B20A-79D7-67AA-3DABD17525E1}"/>
+                  </a:ext>
+                </a:extLst>
+              </p:cNvPr>
+              <p:cNvSpPr txBox="1"/>
+              <p:nvPr/>
+            </p:nvSpPr>
+            <p:spPr>
+              <a:xfrm>
+                <a:off x="4413371" y="3439068"/>
+                <a:ext cx="446853" cy="338554"/>
+              </a:xfrm>
+              <a:prstGeom prst="rect">
+                <a:avLst/>
+              </a:prstGeom>
+              <a:noFill/>
+            </p:spPr>
+            <p:txBody>
+              <a:bodyPr wrap="none" rtlCol="0">
+                <a:spAutoFit/>
+              </a:bodyPr>
+              <a:lstStyle/>
+              <a:p>
+                <a14:m>
+                  <m:oMathPara xmlns:m="http://schemas.openxmlformats.org/officeDocument/2006/math">
+                    <m:oMathParaPr>
+                      <m:jc m:val="centerGroup"/>
+                    </m:oMathParaPr>
+                    <m:oMath xmlns:m="http://schemas.openxmlformats.org/officeDocument/2006/math">
+                      <m:sSub>
+                        <m:sSubPr>
+                          <m:ctrlPr>
+                            <a:rPr lang="en-US" sz="1600" i="1" dirty="0" smtClean="0">
+                              <a:latin typeface="Cambria Math" panose="02040503050406030204" pitchFamily="18" charset="0"/>
+                            </a:rPr>
+                          </m:ctrlPr>
+                        </m:sSubPr>
+                        <m:e>
+                          <m:r>
+                            <a:rPr lang="en-US" sz="1600" i="1" dirty="0">
+                              <a:latin typeface="Cambria Math" panose="02040503050406030204" pitchFamily="18" charset="0"/>
+                            </a:rPr>
+                            <m:t>𝑃</m:t>
+                          </m:r>
+                        </m:e>
+                        <m:sub>
+                          <m:r>
+                            <a:rPr lang="en-US" sz="1600" b="0" i="1" dirty="0" smtClean="0">
+                              <a:latin typeface="Cambria Math" panose="02040503050406030204" pitchFamily="18" charset="0"/>
+                            </a:rPr>
+                            <m:t>2</m:t>
+                          </m:r>
+                        </m:sub>
+                      </m:sSub>
+                    </m:oMath>
+                  </m:oMathPara>
+                </a14:m>
+                <a:endParaRPr lang="es-ES" dirty="0"/>
+              </a:p>
+            </p:txBody>
+          </p:sp>
+        </mc:Choice>
+        <mc:Fallback>
+          <p:sp>
+            <p:nvSpPr>
+              <p:cNvPr id="56" name="TextBox 55">
+                <a:extLst>
+                  <a:ext uri="{FF2B5EF4-FFF2-40B4-BE49-F238E27FC236}">
+                    <a16:creationId xmlns:a16="http://schemas.microsoft.com/office/drawing/2014/main" id="{CA817A3E-B20A-79D7-67AA-3DABD17525E1}"/>
+                  </a:ext>
+                </a:extLst>
+              </p:cNvPr>
+              <p:cNvSpPr txBox="1">
+                <a:spLocks noRot="1" noChangeAspect="1" noMove="1" noResize="1" noEditPoints="1" noAdjustHandles="1" noChangeArrowheads="1" noChangeShapeType="1" noTextEdit="1"/>
+              </p:cNvSpPr>
+              <p:nvPr/>
+            </p:nvSpPr>
+            <p:spPr>
+              <a:xfrm>
+                <a:off x="4413371" y="3439068"/>
+                <a:ext cx="446853" cy="338554"/>
+              </a:xfrm>
+              <a:prstGeom prst="rect">
+                <a:avLst/>
+              </a:prstGeom>
+              <a:blipFill>
+                <a:blip r:embed="rId5"/>
+                <a:stretch>
+                  <a:fillRect/>
+                </a:stretch>
+              </a:blipFill>
+            </p:spPr>
+            <p:txBody>
+              <a:bodyPr/>
+              <a:lstStyle/>
+              <a:p>
+                <a:r>
+                  <a:rPr lang="es-ES">
+                    <a:noFill/>
+                  </a:rPr>
+                  <a:t> </a:t>
+                </a:r>
+              </a:p>
+            </p:txBody>
+          </p:sp>
+        </mc:Fallback>
+      </mc:AlternateContent>
+      <mc:AlternateContent xmlns:mc="http://schemas.openxmlformats.org/markup-compatibility/2006">
+        <mc:Choice xmlns:a14="http://schemas.microsoft.com/office/drawing/2010/main" Requires="a14">
+          <p:sp>
+            <p:nvSpPr>
+              <p:cNvPr id="57" name="TextBox 56">
+                <a:extLst>
+                  <a:ext uri="{FF2B5EF4-FFF2-40B4-BE49-F238E27FC236}">
+                    <a16:creationId xmlns:a16="http://schemas.microsoft.com/office/drawing/2014/main" id="{CC406460-81E7-AB2E-9894-443CB8DB6587}"/>
+                  </a:ext>
+                </a:extLst>
+              </p:cNvPr>
+              <p:cNvSpPr txBox="1"/>
+              <p:nvPr/>
+            </p:nvSpPr>
+            <p:spPr>
+              <a:xfrm>
+                <a:off x="5459267" y="4729458"/>
+                <a:ext cx="470450" cy="338554"/>
+              </a:xfrm>
+              <a:prstGeom prst="rect">
+                <a:avLst/>
+              </a:prstGeom>
+              <a:noFill/>
+            </p:spPr>
+            <p:txBody>
+              <a:bodyPr wrap="none" rtlCol="0">
+                <a:spAutoFit/>
+              </a:bodyPr>
+              <a:lstStyle/>
+              <a:p>
+                <a14:m>
+                  <m:oMathPara xmlns:m="http://schemas.openxmlformats.org/officeDocument/2006/math">
+                    <m:oMathParaPr>
+                      <m:jc m:val="centerGroup"/>
+                    </m:oMathParaPr>
+                    <m:oMath xmlns:m="http://schemas.openxmlformats.org/officeDocument/2006/math">
+                      <m:sSub>
+                        <m:sSubPr>
+                          <m:ctrlPr>
+                            <a:rPr lang="en-US" sz="1600" i="1" dirty="0" smtClean="0">
+                              <a:latin typeface="Cambria Math" panose="02040503050406030204" pitchFamily="18" charset="0"/>
+                            </a:rPr>
+                          </m:ctrlPr>
+                        </m:sSubPr>
+                        <m:e>
+                          <m:r>
+                            <a:rPr lang="en-US" sz="1600" b="0" i="1" dirty="0" smtClean="0">
+                              <a:latin typeface="Cambria Math" panose="02040503050406030204" pitchFamily="18" charset="0"/>
+                            </a:rPr>
+                            <m:t>𝑄</m:t>
+                          </m:r>
+                        </m:e>
+                        <m:sub>
+                          <m:r>
+                            <a:rPr lang="en-US" sz="1600" b="0" i="1" dirty="0" smtClean="0">
+                              <a:latin typeface="Cambria Math" panose="02040503050406030204" pitchFamily="18" charset="0"/>
+                            </a:rPr>
+                            <m:t>1</m:t>
+                          </m:r>
+                        </m:sub>
+                      </m:sSub>
+                    </m:oMath>
+                  </m:oMathPara>
+                </a14:m>
+                <a:endParaRPr lang="es-ES" dirty="0"/>
+              </a:p>
+            </p:txBody>
+          </p:sp>
+        </mc:Choice>
+        <mc:Fallback>
+          <p:sp>
+            <p:nvSpPr>
+              <p:cNvPr id="57" name="TextBox 56">
+                <a:extLst>
+                  <a:ext uri="{FF2B5EF4-FFF2-40B4-BE49-F238E27FC236}">
+                    <a16:creationId xmlns:a16="http://schemas.microsoft.com/office/drawing/2014/main" id="{CC406460-81E7-AB2E-9894-443CB8DB6587}"/>
+                  </a:ext>
+                </a:extLst>
+              </p:cNvPr>
+              <p:cNvSpPr txBox="1">
+                <a:spLocks noRot="1" noChangeAspect="1" noMove="1" noResize="1" noEditPoints="1" noAdjustHandles="1" noChangeArrowheads="1" noChangeShapeType="1" noTextEdit="1"/>
+              </p:cNvSpPr>
+              <p:nvPr/>
+            </p:nvSpPr>
+            <p:spPr>
+              <a:xfrm>
+                <a:off x="5459267" y="4729458"/>
+                <a:ext cx="470450" cy="338554"/>
+              </a:xfrm>
+              <a:prstGeom prst="rect">
+                <a:avLst/>
+              </a:prstGeom>
+              <a:blipFill>
+                <a:blip r:embed="rId6"/>
+                <a:stretch>
+                  <a:fillRect b="-9091"/>
+                </a:stretch>
+              </a:blipFill>
+            </p:spPr>
+            <p:txBody>
+              <a:bodyPr/>
+              <a:lstStyle/>
+              <a:p>
+                <a:r>
+                  <a:rPr lang="es-ES">
+                    <a:noFill/>
+                  </a:rPr>
+                  <a:t> </a:t>
+                </a:r>
+              </a:p>
+            </p:txBody>
+          </p:sp>
+        </mc:Fallback>
+      </mc:AlternateContent>
+      <mc:AlternateContent xmlns:mc="http://schemas.openxmlformats.org/markup-compatibility/2006">
+        <mc:Choice xmlns:a14="http://schemas.microsoft.com/office/drawing/2010/main" Requires="a14">
+          <p:sp>
+            <p:nvSpPr>
+              <p:cNvPr id="58" name="TextBox 57">
+                <a:extLst>
+                  <a:ext uri="{FF2B5EF4-FFF2-40B4-BE49-F238E27FC236}">
+                    <a16:creationId xmlns:a16="http://schemas.microsoft.com/office/drawing/2014/main" id="{BAFF57B0-877E-C060-3D35-2E236A0781ED}"/>
+                  </a:ext>
+                </a:extLst>
+              </p:cNvPr>
+              <p:cNvSpPr txBox="1"/>
+              <p:nvPr/>
+            </p:nvSpPr>
+            <p:spPr>
+              <a:xfrm>
+                <a:off x="5837425" y="4722821"/>
+                <a:ext cx="475195" cy="338554"/>
+              </a:xfrm>
+              <a:prstGeom prst="rect">
+                <a:avLst/>
+              </a:prstGeom>
+              <a:noFill/>
+            </p:spPr>
+            <p:txBody>
+              <a:bodyPr wrap="none" rtlCol="0">
+                <a:spAutoFit/>
+              </a:bodyPr>
+              <a:lstStyle/>
+              <a:p>
+                <a14:m>
+                  <m:oMathPara xmlns:m="http://schemas.openxmlformats.org/officeDocument/2006/math">
+                    <m:oMathParaPr>
+                      <m:jc m:val="centerGroup"/>
+                    </m:oMathParaPr>
+                    <m:oMath xmlns:m="http://schemas.openxmlformats.org/officeDocument/2006/math">
+                      <m:sSub>
+                        <m:sSubPr>
+                          <m:ctrlPr>
+                            <a:rPr lang="en-US" sz="1600" i="1" dirty="0" smtClean="0">
+                              <a:latin typeface="Cambria Math" panose="02040503050406030204" pitchFamily="18" charset="0"/>
+                            </a:rPr>
+                          </m:ctrlPr>
+                        </m:sSubPr>
+                        <m:e>
+                          <m:r>
+                            <a:rPr lang="en-US" sz="1600" b="0" i="1" dirty="0" smtClean="0">
+                              <a:latin typeface="Cambria Math" panose="02040503050406030204" pitchFamily="18" charset="0"/>
+                            </a:rPr>
+                            <m:t>𝑄</m:t>
+                          </m:r>
+                        </m:e>
+                        <m:sub>
+                          <m:r>
+                            <a:rPr lang="en-US" sz="1600" b="0" i="1" dirty="0" smtClean="0">
+                              <a:latin typeface="Cambria Math" panose="02040503050406030204" pitchFamily="18" charset="0"/>
+                            </a:rPr>
+                            <m:t>2</m:t>
+                          </m:r>
+                        </m:sub>
+                      </m:sSub>
+                    </m:oMath>
+                  </m:oMathPara>
+                </a14:m>
+                <a:endParaRPr lang="es-ES" dirty="0"/>
+              </a:p>
+            </p:txBody>
+          </p:sp>
+        </mc:Choice>
+        <mc:Fallback>
+          <p:sp>
+            <p:nvSpPr>
+              <p:cNvPr id="58" name="TextBox 57">
+                <a:extLst>
+                  <a:ext uri="{FF2B5EF4-FFF2-40B4-BE49-F238E27FC236}">
+                    <a16:creationId xmlns:a16="http://schemas.microsoft.com/office/drawing/2014/main" id="{BAFF57B0-877E-C060-3D35-2E236A0781ED}"/>
+                  </a:ext>
+                </a:extLst>
+              </p:cNvPr>
+              <p:cNvSpPr txBox="1">
+                <a:spLocks noRot="1" noChangeAspect="1" noMove="1" noResize="1" noEditPoints="1" noAdjustHandles="1" noChangeArrowheads="1" noChangeShapeType="1" noTextEdit="1"/>
+              </p:cNvSpPr>
+              <p:nvPr/>
+            </p:nvSpPr>
+            <p:spPr>
+              <a:xfrm>
+                <a:off x="5837425" y="4722821"/>
+                <a:ext cx="475195" cy="338554"/>
+              </a:xfrm>
+              <a:prstGeom prst="rect">
+                <a:avLst/>
+              </a:prstGeom>
+              <a:blipFill>
+                <a:blip r:embed="rId7"/>
+                <a:stretch>
+                  <a:fillRect b="-9091"/>
+                </a:stretch>
+              </a:blipFill>
+            </p:spPr>
+            <p:txBody>
+              <a:bodyPr/>
+              <a:lstStyle/>
+              <a:p>
+                <a:r>
+                  <a:rPr lang="es-ES">
+                    <a:noFill/>
+                  </a:rPr>
+                  <a:t> </a:t>
+                </a:r>
+              </a:p>
+            </p:txBody>
+          </p:sp>
+        </mc:Fallback>
+      </mc:AlternateContent>
+      <p:cxnSp>
+        <p:nvCxnSpPr>
+          <p:cNvPr id="60" name="Straight Connector 59">
+            <a:extLst>
+              <a:ext uri="{FF2B5EF4-FFF2-40B4-BE49-F238E27FC236}">
+                <a16:creationId xmlns:a16="http://schemas.microsoft.com/office/drawing/2014/main" id="{37D3BBA0-526B-9B2C-0608-B11A0B6FBB03}"/>
+              </a:ext>
+            </a:extLst>
+          </p:cNvPr>
+          <p:cNvCxnSpPr/>
+          <p:nvPr/>
+        </p:nvCxnSpPr>
+        <p:spPr>
+          <a:xfrm flipH="1">
+            <a:off x="4875184" y="3062288"/>
+            <a:ext cx="806479" cy="0"/>
+          </a:xfrm>
+          <a:prstGeom prst="line">
+            <a:avLst/>
+          </a:prstGeom>
+          <a:ln>
+            <a:prstDash val="sysDot"/>
+          </a:ln>
+        </p:spPr>
+        <p:style>
+          <a:lnRef idx="1">
+            <a:schemeClr val="dk1"/>
+          </a:lnRef>
+          <a:fillRef idx="0">
+            <a:schemeClr val="dk1"/>
+          </a:fillRef>
+          <a:effectRef idx="0">
+            <a:schemeClr val="dk1"/>
+          </a:effectRef>
+          <a:fontRef idx="minor">
+            <a:schemeClr val="tx1"/>
+          </a:fontRef>
+        </p:style>
+      </p:cxnSp>
+      <p:cxnSp>
+        <p:nvCxnSpPr>
+          <p:cNvPr id="61" name="Straight Connector 60">
+            <a:extLst>
+              <a:ext uri="{FF2B5EF4-FFF2-40B4-BE49-F238E27FC236}">
+                <a16:creationId xmlns:a16="http://schemas.microsoft.com/office/drawing/2014/main" id="{AF0F1C87-8350-8A87-FB4E-C00072138A77}"/>
+              </a:ext>
+            </a:extLst>
+          </p:cNvPr>
+          <p:cNvCxnSpPr>
+            <a:cxnSpLocks/>
+            <a:stCxn id="57" idx="0"/>
+          </p:cNvCxnSpPr>
+          <p:nvPr/>
+        </p:nvCxnSpPr>
+        <p:spPr>
+          <a:xfrm flipH="1" flipV="1">
+            <a:off x="5677115" y="3062288"/>
+            <a:ext cx="17377" cy="1667170"/>
+          </a:xfrm>
+          <a:prstGeom prst="line">
+            <a:avLst/>
+          </a:prstGeom>
+          <a:ln>
+            <a:prstDash val="sysDot"/>
+          </a:ln>
+        </p:spPr>
+        <p:style>
+          <a:lnRef idx="1">
+            <a:schemeClr val="dk1"/>
+          </a:lnRef>
+          <a:fillRef idx="0">
+            <a:schemeClr val="dk1"/>
+          </a:fillRef>
+          <a:effectRef idx="0">
+            <a:schemeClr val="dk1"/>
+          </a:effectRef>
+          <a:fontRef idx="minor">
+            <a:schemeClr val="tx1"/>
+          </a:fontRef>
+        </p:style>
+      </p:cxnSp>
+      <p:cxnSp>
+        <p:nvCxnSpPr>
+          <p:cNvPr id="65" name="Straight Connector 64">
+            <a:extLst>
+              <a:ext uri="{FF2B5EF4-FFF2-40B4-BE49-F238E27FC236}">
+                <a16:creationId xmlns:a16="http://schemas.microsoft.com/office/drawing/2014/main" id="{6AD8718A-9771-6240-68EF-4AFF873A3D28}"/>
+              </a:ext>
+            </a:extLst>
+          </p:cNvPr>
+          <p:cNvCxnSpPr>
+            <a:cxnSpLocks/>
+            <a:stCxn id="58" idx="0"/>
+          </p:cNvCxnSpPr>
+          <p:nvPr/>
+        </p:nvCxnSpPr>
+        <p:spPr>
+          <a:xfrm flipH="1" flipV="1">
+            <a:off x="6036782" y="3672394"/>
+            <a:ext cx="38241" cy="1050427"/>
+          </a:xfrm>
+          <a:prstGeom prst="line">
+            <a:avLst/>
+          </a:prstGeom>
+          <a:ln>
+            <a:prstDash val="sysDot"/>
+          </a:ln>
+        </p:spPr>
+        <p:style>
+          <a:lnRef idx="1">
+            <a:schemeClr val="dk1"/>
+          </a:lnRef>
+          <a:fillRef idx="0">
+            <a:schemeClr val="dk1"/>
+          </a:fillRef>
+          <a:effectRef idx="0">
+            <a:schemeClr val="dk1"/>
+          </a:effectRef>
+          <a:fontRef idx="minor">
+            <a:schemeClr val="tx1"/>
+          </a:fontRef>
+        </p:style>
+      </p:cxnSp>
+      <p:cxnSp>
+        <p:nvCxnSpPr>
+          <p:cNvPr id="74" name="Straight Connector 73">
+            <a:extLst>
+              <a:ext uri="{FF2B5EF4-FFF2-40B4-BE49-F238E27FC236}">
+                <a16:creationId xmlns:a16="http://schemas.microsoft.com/office/drawing/2014/main" id="{F4FC31FF-9D99-5C7F-0806-61C1159E9EB5}"/>
+              </a:ext>
+            </a:extLst>
+          </p:cNvPr>
+          <p:cNvCxnSpPr>
+            <a:cxnSpLocks/>
+          </p:cNvCxnSpPr>
+          <p:nvPr/>
+        </p:nvCxnSpPr>
+        <p:spPr>
+          <a:xfrm flipH="1">
+            <a:off x="4889981" y="3674776"/>
+            <a:ext cx="1148769" cy="0"/>
+          </a:xfrm>
+          <a:prstGeom prst="line">
+            <a:avLst/>
+          </a:prstGeom>
+          <a:ln>
+            <a:prstDash val="sysDot"/>
+          </a:ln>
+        </p:spPr>
+        <p:style>
+          <a:lnRef idx="1">
+            <a:schemeClr val="dk1"/>
+          </a:lnRef>
+          <a:fillRef idx="0">
+            <a:schemeClr val="dk1"/>
+          </a:fillRef>
+          <a:effectRef idx="0">
+            <a:schemeClr val="dk1"/>
+          </a:effectRef>
+          <a:fontRef idx="minor">
+            <a:schemeClr val="tx1"/>
+          </a:fontRef>
+        </p:style>
+      </p:cxnSp>
+    </p:spTree>
+    <p:extLst>
+      <p:ext uri="{BB962C8B-B14F-4D97-AF65-F5344CB8AC3E}">
+        <p14:creationId xmlns:p14="http://schemas.microsoft.com/office/powerpoint/2010/main" val="274677309"/>
+      </p:ext>
+    </p:extLst>
+  </p:cSld>
+  <p:clrMapOvr>
+    <a:masterClrMapping/>
+  </p:clrMapOvr>
+</p:sld>
+</file>
+
 <file path=ppt/theme/theme1.xml><?xml version="1.0" encoding="utf-8"?>
 <a:theme xmlns:a="http://schemas.openxmlformats.org/drawingml/2006/main" name="Marco">
   <a:themeElements>
